--- a/intro-extra.pptx
+++ b/intro-extra.pptx
@@ -5,14 +5,16 @@
     <p:sldMasterId id="2147483935" r:id="rId4"/>
   </p:sldMasterIdLst>
   <p:notesMasterIdLst>
-    <p:notesMasterId r:id="rId7"/>
+    <p:notesMasterId r:id="rId9"/>
   </p:notesMasterIdLst>
   <p:handoutMasterIdLst>
-    <p:handoutMasterId r:id="rId8"/>
+    <p:handoutMasterId r:id="rId10"/>
   </p:handoutMasterIdLst>
   <p:sldIdLst>
     <p:sldId id="315" r:id="rId5"/>
     <p:sldId id="314" r:id="rId6"/>
+    <p:sldId id="316" r:id="rId7"/>
+    <p:sldId id="616" r:id="rId8"/>
   </p:sldIdLst>
   <p:sldSz cx="12188825" cy="6858000"/>
   <p:notesSz cx="7010400" cy="9296400"/>
@@ -256,7 +258,7 @@
           <a:p>
             <a:fld id="{0B842F42-2CE9-4E35-95C1-410DC08A50B1}" type="datetimeFigureOut">
               <a:rPr lang="en-US" smtClean="0"/>
-              <a:t>9/2/2021</a:t>
+              <a:t>3/25/2022</a:t>
             </a:fld>
             <a:endParaRPr lang="en-US"/>
           </a:p>
@@ -421,7 +423,7 @@
           <a:p>
             <a:fld id="{6F282904-F315-4730-8D91-37D99E141A6F}" type="datetimeFigureOut">
               <a:rPr lang="en-US" smtClean="0"/>
-              <a:t>9/2/2021</a:t>
+              <a:t>3/25/2022</a:t>
             </a:fld>
             <a:endParaRPr lang="en-US"/>
           </a:p>
@@ -4571,6 +4573,422 @@
     <p:extLst>
       <p:ext uri="{BB962C8B-B14F-4D97-AF65-F5344CB8AC3E}">
         <p14:creationId xmlns:p14="http://schemas.microsoft.com/office/powerpoint/2010/main" val="2187668164"/>
+      </p:ext>
+    </p:extLst>
+  </p:cSld>
+  <p:clrMapOvr>
+    <a:masterClrMapping/>
+  </p:clrMapOvr>
+</p:sld>
+</file>
+
+<file path=ppt/slides/slide3.xml><?xml version="1.0" encoding="utf-8"?>
+<p:sld xmlns:a="http://schemas.openxmlformats.org/drawingml/2006/main" xmlns:r="http://schemas.openxmlformats.org/officeDocument/2006/relationships" xmlns:p="http://schemas.openxmlformats.org/presentationml/2006/main">
+  <p:cSld>
+    <p:spTree>
+      <p:nvGrpSpPr>
+        <p:cNvPr id="1" name=""/>
+        <p:cNvGrpSpPr/>
+        <p:nvPr/>
+      </p:nvGrpSpPr>
+      <p:grpSpPr>
+        <a:xfrm>
+          <a:off x="0" y="0"/>
+          <a:ext cx="0" cy="0"/>
+          <a:chOff x="0" y="0"/>
+          <a:chExt cx="0" cy="0"/>
+        </a:xfrm>
+      </p:grpSpPr>
+      <p:sp>
+        <p:nvSpPr>
+          <p:cNvPr id="2" name="Title 1">
+            <a:extLst>
+              <a:ext uri="{FF2B5EF4-FFF2-40B4-BE49-F238E27FC236}">
+                <a16:creationId xmlns:a16="http://schemas.microsoft.com/office/drawing/2014/main" id="{965012BA-8349-4F63-995A-190570787086}"/>
+              </a:ext>
+            </a:extLst>
+          </p:cNvPr>
+          <p:cNvSpPr>
+            <a:spLocks noGrp="1"/>
+          </p:cNvSpPr>
+          <p:nvPr>
+            <p:ph type="title"/>
+          </p:nvPr>
+        </p:nvSpPr>
+        <p:spPr/>
+        <p:txBody>
+          <a:bodyPr/>
+          <a:lstStyle/>
+          <a:p>
+            <a:r>
+              <a:rPr lang="en-US" dirty="0"/>
+              <a:t>Hands-On Activities</a:t>
+            </a:r>
+          </a:p>
+        </p:txBody>
+      </p:sp>
+      <p:sp>
+        <p:nvSpPr>
+          <p:cNvPr id="3" name="Content Placeholder 2">
+            <a:extLst>
+              <a:ext uri="{FF2B5EF4-FFF2-40B4-BE49-F238E27FC236}">
+                <a16:creationId xmlns:a16="http://schemas.microsoft.com/office/drawing/2014/main" id="{0F20C93A-8687-4A10-A3FB-77446A44FBAB}"/>
+              </a:ext>
+            </a:extLst>
+          </p:cNvPr>
+          <p:cNvSpPr>
+            <a:spLocks noGrp="1"/>
+          </p:cNvSpPr>
+          <p:nvPr>
+            <p:ph idx="1"/>
+          </p:nvPr>
+        </p:nvSpPr>
+        <p:spPr>
+          <a:xfrm>
+            <a:off x="365761" y="1012149"/>
+            <a:ext cx="6211614" cy="4047778"/>
+          </a:xfrm>
+        </p:spPr>
+        <p:txBody>
+          <a:bodyPr/>
+          <a:lstStyle/>
+          <a:p>
+            <a:pPr marL="0" indent="0">
+              <a:buNone/>
+            </a:pPr>
+            <a:r>
+              <a:rPr lang="en-US" dirty="0"/>
+              <a:t>We have created a simple example to give you some (optional) hands-on experience with some of the concepts in this tutorial</a:t>
+            </a:r>
+          </a:p>
+          <a:p>
+            <a:pPr>
+              <a:spcBef>
+                <a:spcPts val="400"/>
+              </a:spcBef>
+            </a:pPr>
+            <a:r>
+              <a:rPr lang="en-US" sz="2000" dirty="0"/>
+              <a:t>You don’t need to understand the math/physics to do the exercises, or to find them useful</a:t>
+            </a:r>
+          </a:p>
+          <a:p>
+            <a:pPr marL="0" indent="0">
+              <a:spcBef>
+                <a:spcPts val="2400"/>
+              </a:spcBef>
+              <a:buNone/>
+            </a:pPr>
+            <a:r>
+              <a:rPr lang="en-US" dirty="0"/>
+              <a:t>We have some time in the agenda for the hands-on activities</a:t>
+            </a:r>
+          </a:p>
+          <a:p>
+            <a:pPr>
+              <a:spcBef>
+                <a:spcPts val="400"/>
+              </a:spcBef>
+            </a:pPr>
+            <a:r>
+              <a:rPr lang="en-US" sz="2000" dirty="0"/>
+              <a:t>But feel free to start early (i.e. during breaks) and continue after the tutorial</a:t>
+            </a:r>
+          </a:p>
+          <a:p>
+            <a:pPr>
+              <a:spcBef>
+                <a:spcPts val="400"/>
+              </a:spcBef>
+            </a:pPr>
+            <a:r>
+              <a:rPr lang="en-US" sz="2000" dirty="0"/>
+              <a:t>We’ll give feedback on pull requests and issues filed (or email us, see next slide).</a:t>
+            </a:r>
+          </a:p>
+          <a:p>
+            <a:pPr marL="0" indent="0">
+              <a:spcBef>
+                <a:spcPts val="2400"/>
+              </a:spcBef>
+              <a:buNone/>
+            </a:pPr>
+            <a:r>
+              <a:rPr lang="en-US" b="1" dirty="0"/>
+              <a:t>Instructions on the tutorial web site: </a:t>
+            </a:r>
+            <a:r>
+              <a:rPr lang="en-US" sz="2400" b="1" dirty="0">
+                <a:hlinkClick r:id="rId2"/>
+              </a:rPr>
+              <a:t>https://bssw-tutorial.github.io/</a:t>
+            </a:r>
+            <a:br>
+              <a:rPr lang="en-US" sz="2400" b="1" dirty="0"/>
+            </a:br>
+            <a:r>
+              <a:rPr lang="en-US" sz="2400" dirty="0"/>
+              <a:t>and click the link for today’s tutorial</a:t>
+            </a:r>
+            <a:endParaRPr lang="en-US" sz="2800" dirty="0"/>
+          </a:p>
+        </p:txBody>
+      </p:sp>
+      <p:pic>
+        <p:nvPicPr>
+          <p:cNvPr id="4" name="Picture 3">
+            <a:extLst>
+              <a:ext uri="{FF2B5EF4-FFF2-40B4-BE49-F238E27FC236}">
+                <a16:creationId xmlns:a16="http://schemas.microsoft.com/office/drawing/2014/main" id="{B9D05DF5-DD70-4892-B1EC-CCD1C9DC6DD4}"/>
+              </a:ext>
+            </a:extLst>
+          </p:cNvPr>
+          <p:cNvPicPr>
+            <a:picLocks noChangeAspect="1"/>
+          </p:cNvPicPr>
+          <p:nvPr/>
+        </p:nvPicPr>
+        <p:blipFill rotWithShape="1">
+          <a:blip r:embed="rId3"/>
+          <a:srcRect l="8639" t="17307" r="21360" b="13562"/>
+          <a:stretch/>
+        </p:blipFill>
+        <p:spPr>
+          <a:xfrm>
+            <a:off x="6728716" y="1146154"/>
+            <a:ext cx="5120640" cy="2863018"/>
+          </a:xfrm>
+          <a:prstGeom prst="rect">
+            <a:avLst/>
+          </a:prstGeom>
+        </p:spPr>
+      </p:pic>
+    </p:spTree>
+    <p:extLst>
+      <p:ext uri="{BB962C8B-B14F-4D97-AF65-F5344CB8AC3E}">
+        <p14:creationId xmlns:p14="http://schemas.microsoft.com/office/powerpoint/2010/main" val="3611063901"/>
+      </p:ext>
+    </p:extLst>
+  </p:cSld>
+  <p:clrMapOvr>
+    <a:masterClrMapping/>
+  </p:clrMapOvr>
+</p:sld>
+</file>
+
+<file path=ppt/slides/slide4.xml><?xml version="1.0" encoding="utf-8"?>
+<p:sld xmlns:a="http://schemas.openxmlformats.org/drawingml/2006/main" xmlns:r="http://schemas.openxmlformats.org/officeDocument/2006/relationships" xmlns:p="http://schemas.openxmlformats.org/presentationml/2006/main">
+  <p:cSld>
+    <p:spTree>
+      <p:nvGrpSpPr>
+        <p:cNvPr id="1" name=""/>
+        <p:cNvGrpSpPr/>
+        <p:nvPr/>
+      </p:nvGrpSpPr>
+      <p:grpSpPr>
+        <a:xfrm>
+          <a:off x="0" y="0"/>
+          <a:ext cx="0" cy="0"/>
+          <a:chOff x="0" y="0"/>
+          <a:chExt cx="0" cy="0"/>
+        </a:xfrm>
+      </p:grpSpPr>
+      <p:sp>
+        <p:nvSpPr>
+          <p:cNvPr id="2" name="Title 1">
+            <a:extLst>
+              <a:ext uri="{FF2B5EF4-FFF2-40B4-BE49-F238E27FC236}">
+                <a16:creationId xmlns:a16="http://schemas.microsoft.com/office/drawing/2014/main" id="{88D7CFF0-36AC-4BF3-96D2-C6F302144850}"/>
+              </a:ext>
+            </a:extLst>
+          </p:cNvPr>
+          <p:cNvSpPr>
+            <a:spLocks noGrp="1"/>
+          </p:cNvSpPr>
+          <p:nvPr>
+            <p:ph type="title"/>
+          </p:nvPr>
+        </p:nvSpPr>
+        <p:spPr/>
+        <p:txBody>
+          <a:bodyPr/>
+          <a:lstStyle/>
+          <a:p>
+            <a:r>
+              <a:rPr lang="en-US" dirty="0"/>
+              <a:t>We Want to Interact with You!</a:t>
+            </a:r>
+          </a:p>
+        </p:txBody>
+      </p:sp>
+      <p:sp>
+        <p:nvSpPr>
+          <p:cNvPr id="3" name="Content Placeholder 2">
+            <a:extLst>
+              <a:ext uri="{FF2B5EF4-FFF2-40B4-BE49-F238E27FC236}">
+                <a16:creationId xmlns:a16="http://schemas.microsoft.com/office/drawing/2014/main" id="{AEFD04A9-5547-4AC6-89F3-E6EEC039A00D}"/>
+              </a:ext>
+            </a:extLst>
+          </p:cNvPr>
+          <p:cNvSpPr>
+            <a:spLocks noGrp="1"/>
+          </p:cNvSpPr>
+          <p:nvPr>
+            <p:ph idx="1"/>
+          </p:nvPr>
+        </p:nvSpPr>
+        <p:spPr>
+          <a:xfrm>
+            <a:off x="365760" y="919230"/>
+            <a:ext cx="11369809" cy="4047778"/>
+          </a:xfrm>
+        </p:spPr>
+        <p:txBody>
+          <a:bodyPr/>
+          <a:lstStyle/>
+          <a:p>
+            <a:pPr>
+              <a:spcBef>
+                <a:spcPts val="1800"/>
+              </a:spcBef>
+            </a:pPr>
+            <a:r>
+              <a:rPr lang="en-US" dirty="0"/>
+              <a:t>We find these tutorials most interesting and informative (for everyone) if you ask questions and share experiences!</a:t>
+            </a:r>
+          </a:p>
+          <a:p>
+            <a:pPr lvl="1">
+              <a:spcBef>
+                <a:spcPts val="400"/>
+              </a:spcBef>
+            </a:pPr>
+            <a:r>
+              <a:rPr lang="en-US" dirty="0"/>
+              <a:t>We learn too!</a:t>
+            </a:r>
+          </a:p>
+          <a:p>
+            <a:pPr>
+              <a:spcBef>
+                <a:spcPts val="1200"/>
+              </a:spcBef>
+            </a:pPr>
+            <a:r>
+              <a:rPr lang="en-US" dirty="0"/>
+              <a:t>Please use Zoom chat to ask questions at any time</a:t>
+            </a:r>
+          </a:p>
+          <a:p>
+            <a:pPr>
+              <a:spcBef>
+                <a:spcPts val="1200"/>
+              </a:spcBef>
+            </a:pPr>
+            <a:r>
+              <a:rPr lang="en-US" dirty="0"/>
+              <a:t>We will hang around in Zoom during breaks and lunch for </a:t>
+            </a:r>
+            <a:r>
+              <a:rPr lang="en-US" u="sng" dirty="0"/>
+              <a:t>live</a:t>
+            </a:r>
+            <a:r>
+              <a:rPr lang="en-US" dirty="0"/>
+              <a:t> Q&amp;A/discussions with anyone interested</a:t>
+            </a:r>
+          </a:p>
+          <a:p>
+            <a:pPr lvl="1">
+              <a:spcBef>
+                <a:spcPts val="400"/>
+              </a:spcBef>
+            </a:pPr>
+            <a:r>
+              <a:rPr lang="en-US" dirty="0"/>
+              <a:t>Also during the hands-on session</a:t>
+            </a:r>
+          </a:p>
+          <a:p>
+            <a:pPr>
+              <a:spcBef>
+                <a:spcPts val="1200"/>
+              </a:spcBef>
+            </a:pPr>
+            <a:r>
+              <a:rPr lang="en-US" dirty="0"/>
+              <a:t>If you work on the hands-on activities, we’ll be glad to provide feedback</a:t>
+            </a:r>
+          </a:p>
+          <a:p>
+            <a:pPr lvl="1">
+              <a:spcBef>
+                <a:spcPts val="400"/>
+              </a:spcBef>
+            </a:pPr>
+            <a:r>
+              <a:rPr lang="en-US" dirty="0"/>
+              <a:t>Submit a pull request and we’ll take a look</a:t>
+            </a:r>
+          </a:p>
+          <a:p>
+            <a:pPr>
+              <a:spcBef>
+                <a:spcPts val="1200"/>
+              </a:spcBef>
+            </a:pPr>
+            <a:r>
+              <a:rPr lang="en-US" dirty="0"/>
+              <a:t>After the tutorial email us at </a:t>
+            </a:r>
+            <a:r>
+              <a:rPr lang="en-US" dirty="0">
+                <a:hlinkClick r:id="rId2"/>
+              </a:rPr>
+              <a:t>bssw-tutorial@lists.mcs.anl.gov</a:t>
+            </a:r>
+            <a:endParaRPr lang="en-US" dirty="0"/>
+          </a:p>
+          <a:p>
+            <a:pPr lvl="1">
+              <a:spcBef>
+                <a:spcPts val="400"/>
+              </a:spcBef>
+            </a:pPr>
+            <a:r>
+              <a:rPr lang="en-US" dirty="0"/>
+              <a:t>With questions or feedback</a:t>
+            </a:r>
+          </a:p>
+          <a:p>
+            <a:pPr lvl="1"/>
+            <a:r>
+              <a:rPr lang="en-US" dirty="0"/>
+              <a:t>The list moderator will allow your messages to be posted</a:t>
+            </a:r>
+          </a:p>
+          <a:p>
+            <a:r>
+              <a:rPr lang="en-US" dirty="0"/>
+              <a:t>Refer to </a:t>
+            </a:r>
+            <a:r>
+              <a:rPr lang="en-US" dirty="0">
+                <a:hlinkClick r:id="rId3"/>
+              </a:rPr>
+              <a:t>bssw-tutorial.github.io</a:t>
+            </a:r>
+            <a:r>
+              <a:rPr lang="en-US" dirty="0"/>
+              <a:t> page for all tutorial materials</a:t>
+            </a:r>
+          </a:p>
+        </p:txBody>
+      </p:sp>
+    </p:spTree>
+    <p:extLst>
+      <p:ext uri="{BB962C8B-B14F-4D97-AF65-F5344CB8AC3E}">
+        <p14:creationId xmlns:p14="http://schemas.microsoft.com/office/powerpoint/2010/main" val="3695382487"/>
       </p:ext>
     </p:extLst>
   </p:cSld>
@@ -5493,18 +5911,18 @@
 </file>
 
 <file path=customXml/item1.xml><?xml version="1.0" encoding="utf-8"?>
-<p:properties xmlns:p="http://schemas.microsoft.com/office/2006/metadata/properties" xmlns:xsi="http://www.w3.org/2001/XMLSchema-instance" xmlns:pc="http://schemas.microsoft.com/office/infopath/2007/PartnerControls">
-  <documentManagement/>
-</p:properties>
-</file>
-
-<file path=customXml/item2.xml><?xml version="1.0" encoding="utf-8"?>
 <?mso-contentType ?>
 <FormTemplates xmlns="http://schemas.microsoft.com/sharepoint/v3/contenttype/forms">
   <Display>DocumentLibraryForm</Display>
   <Edit>DocumentLibraryForm</Edit>
   <New>DocumentLibraryForm</New>
 </FormTemplates>
+</file>
+
+<file path=customXml/item2.xml><?xml version="1.0" encoding="utf-8"?>
+<p:properties xmlns:p="http://schemas.microsoft.com/office/2006/metadata/properties" xmlns:xsi="http://www.w3.org/2001/XMLSchema-instance" xmlns:pc="http://schemas.microsoft.com/office/infopath/2007/PartnerControls">
+  <documentManagement/>
+</p:properties>
 </file>
 
 <file path=customXml/item3.xml><?xml version="1.0" encoding="utf-8"?>
@@ -5557,6 +5975,14 @@
 </file>
 
 <file path=customXml/itemProps1.xml><?xml version="1.0" encoding="utf-8"?>
+<ds:datastoreItem xmlns:ds="http://schemas.openxmlformats.org/officeDocument/2006/customXml" ds:itemID="{19E20559-B232-4371-8690-E3D8007EDB82}">
+  <ds:schemaRefs>
+    <ds:schemaRef ds:uri="http://schemas.microsoft.com/sharepoint/v3/contenttype/forms"/>
+  </ds:schemaRefs>
+</ds:datastoreItem>
+</file>
+
+<file path=customXml/itemProps2.xml><?xml version="1.0" encoding="utf-8"?>
 <ds:datastoreItem xmlns:ds="http://schemas.openxmlformats.org/officeDocument/2006/customXml" ds:itemID="{A50EC660-24D0-43A0-AE5E-E274115E726B}">
   <ds:schemaRefs>
     <ds:schemaRef ds:uri="http://purl.org/dc/elements/1.1/"/>
@@ -5567,14 +5993,6 @@
     <ds:schemaRef ds:uri="http://www.w3.org/XML/1998/namespace"/>
     <ds:schemaRef ds:uri="http://purl.org/dc/dcmitype/"/>
     <ds:schemaRef ds:uri="http://schemas.microsoft.com/office/infopath/2007/PartnerControls"/>
-  </ds:schemaRefs>
-</ds:datastoreItem>
-</file>
-
-<file path=customXml/itemProps2.xml><?xml version="1.0" encoding="utf-8"?>
-<ds:datastoreItem xmlns:ds="http://schemas.openxmlformats.org/officeDocument/2006/customXml" ds:itemID="{19E20559-B232-4371-8690-E3D8007EDB82}">
-  <ds:schemaRefs>
-    <ds:schemaRef ds:uri="http://schemas.microsoft.com/sharepoint/v3/contenttype/forms"/>
   </ds:schemaRefs>
 </ds:datastoreItem>
 </file>

--- a/intro-extra.pptx
+++ b/intro-extra.pptx
@@ -5,16 +5,18 @@
     <p:sldMasterId id="2147483935" r:id="rId4"/>
   </p:sldMasterIdLst>
   <p:notesMasterIdLst>
-    <p:notesMasterId r:id="rId9"/>
+    <p:notesMasterId r:id="rId11"/>
   </p:notesMasterIdLst>
   <p:handoutMasterIdLst>
-    <p:handoutMasterId r:id="rId10"/>
+    <p:handoutMasterId r:id="rId12"/>
   </p:handoutMasterIdLst>
   <p:sldIdLst>
     <p:sldId id="315" r:id="rId5"/>
     <p:sldId id="314" r:id="rId6"/>
     <p:sldId id="316" r:id="rId7"/>
-    <p:sldId id="616" r:id="rId8"/>
+    <p:sldId id="617" r:id="rId8"/>
+    <p:sldId id="616" r:id="rId9"/>
+    <p:sldId id="618" r:id="rId10"/>
   </p:sldIdLst>
   <p:sldSz cx="12188825" cy="6858000"/>
   <p:notesSz cx="7010400" cy="9296400"/>
@@ -258,7 +260,7 @@
           <a:p>
             <a:fld id="{0B842F42-2CE9-4E35-95C1-410DC08A50B1}" type="datetimeFigureOut">
               <a:rPr lang="en-US" smtClean="0"/>
-              <a:t>3/25/2022</a:t>
+              <a:t>4/17/2022</a:t>
             </a:fld>
             <a:endParaRPr lang="en-US"/>
           </a:p>
@@ -423,7 +425,7 @@
           <a:p>
             <a:fld id="{6F282904-F315-4730-8D91-37D99E141A6F}" type="datetimeFigureOut">
               <a:rPr lang="en-US" smtClean="0"/>
-              <a:t>3/25/2022</a:t>
+              <a:t>4/17/2022</a:t>
             </a:fld>
             <a:endParaRPr lang="en-US"/>
           </a:p>
@@ -4798,6 +4800,219 @@
           <p:cNvPr id="2" name="Title 1">
             <a:extLst>
               <a:ext uri="{FF2B5EF4-FFF2-40B4-BE49-F238E27FC236}">
+                <a16:creationId xmlns:a16="http://schemas.microsoft.com/office/drawing/2014/main" id="{965012BA-8349-4F63-995A-190570787086}"/>
+              </a:ext>
+            </a:extLst>
+          </p:cNvPr>
+          <p:cNvSpPr>
+            <a:spLocks noGrp="1"/>
+          </p:cNvSpPr>
+          <p:nvPr>
+            <p:ph type="title"/>
+          </p:nvPr>
+        </p:nvSpPr>
+        <p:spPr/>
+        <p:txBody>
+          <a:bodyPr/>
+          <a:lstStyle/>
+          <a:p>
+            <a:r>
+              <a:rPr lang="en-US" dirty="0"/>
+              <a:t>Hands-On Activities</a:t>
+            </a:r>
+          </a:p>
+        </p:txBody>
+      </p:sp>
+      <p:sp>
+        <p:nvSpPr>
+          <p:cNvPr id="3" name="Content Placeholder 2">
+            <a:extLst>
+              <a:ext uri="{FF2B5EF4-FFF2-40B4-BE49-F238E27FC236}">
+                <a16:creationId xmlns:a16="http://schemas.microsoft.com/office/drawing/2014/main" id="{0F20C93A-8687-4A10-A3FB-77446A44FBAB}"/>
+              </a:ext>
+            </a:extLst>
+          </p:cNvPr>
+          <p:cNvSpPr>
+            <a:spLocks noGrp="1"/>
+          </p:cNvSpPr>
+          <p:nvPr>
+            <p:ph idx="1"/>
+          </p:nvPr>
+        </p:nvSpPr>
+        <p:spPr>
+          <a:xfrm>
+            <a:off x="365761" y="1012149"/>
+            <a:ext cx="5908579" cy="4047778"/>
+          </a:xfrm>
+        </p:spPr>
+        <p:txBody>
+          <a:bodyPr/>
+          <a:lstStyle/>
+          <a:p>
+            <a:pPr marL="0" indent="0">
+              <a:buNone/>
+            </a:pPr>
+            <a:r>
+              <a:rPr lang="en-US" dirty="0"/>
+              <a:t>We have created a simple example to give you some (optional) hands-on experience with some of the concepts in this tutorial</a:t>
+            </a:r>
+          </a:p>
+          <a:p>
+            <a:pPr>
+              <a:spcBef>
+                <a:spcPts val="400"/>
+              </a:spcBef>
+            </a:pPr>
+            <a:r>
+              <a:rPr lang="en-US" sz="2000" dirty="0"/>
+              <a:t>You don’t need to understand the math/physics to do the exercises, or to find them useful</a:t>
+            </a:r>
+          </a:p>
+          <a:p>
+            <a:pPr marL="0" indent="0">
+              <a:spcBef>
+                <a:spcPts val="2400"/>
+              </a:spcBef>
+              <a:buNone/>
+            </a:pPr>
+            <a:r>
+              <a:rPr lang="en-US" dirty="0"/>
+              <a:t>We have time this afternoon which we can use for hands-on activities (optional)</a:t>
+            </a:r>
+          </a:p>
+          <a:p>
+            <a:pPr marL="0" indent="0">
+              <a:spcBef>
+                <a:spcPts val="2400"/>
+              </a:spcBef>
+              <a:buNone/>
+            </a:pPr>
+            <a:r>
+              <a:rPr lang="en-US" dirty="0"/>
+              <a:t>You can also work the hands-on activities on your own and email us if you have questions</a:t>
+            </a:r>
+          </a:p>
+        </p:txBody>
+      </p:sp>
+      <p:pic>
+        <p:nvPicPr>
+          <p:cNvPr id="4" name="Picture 3">
+            <a:extLst>
+              <a:ext uri="{FF2B5EF4-FFF2-40B4-BE49-F238E27FC236}">
+                <a16:creationId xmlns:a16="http://schemas.microsoft.com/office/drawing/2014/main" id="{B9D05DF5-DD70-4892-B1EC-CCD1C9DC6DD4}"/>
+              </a:ext>
+            </a:extLst>
+          </p:cNvPr>
+          <p:cNvPicPr>
+            <a:picLocks noChangeAspect="1"/>
+          </p:cNvPicPr>
+          <p:nvPr/>
+        </p:nvPicPr>
+        <p:blipFill rotWithShape="1">
+          <a:blip r:embed="rId2"/>
+          <a:srcRect l="8639" t="17307" r="21360" b="13562"/>
+          <a:stretch/>
+        </p:blipFill>
+        <p:spPr>
+          <a:xfrm>
+            <a:off x="6728716" y="1146154"/>
+            <a:ext cx="5120640" cy="2863018"/>
+          </a:xfrm>
+          <a:prstGeom prst="rect">
+            <a:avLst/>
+          </a:prstGeom>
+        </p:spPr>
+      </p:pic>
+      <p:sp>
+        <p:nvSpPr>
+          <p:cNvPr id="6" name="TextBox 5">
+            <a:extLst>
+              <a:ext uri="{FF2B5EF4-FFF2-40B4-BE49-F238E27FC236}">
+                <a16:creationId xmlns:a16="http://schemas.microsoft.com/office/drawing/2014/main" id="{08ACE962-21E3-4495-AC2B-FD3C060F40BA}"/>
+              </a:ext>
+            </a:extLst>
+          </p:cNvPr>
+          <p:cNvSpPr txBox="1"/>
+          <p:nvPr/>
+        </p:nvSpPr>
+        <p:spPr>
+          <a:xfrm>
+            <a:off x="6577375" y="4464696"/>
+            <a:ext cx="5496386" cy="1200329"/>
+          </a:xfrm>
+          <a:prstGeom prst="rect">
+            <a:avLst/>
+          </a:prstGeom>
+          <a:noFill/>
+        </p:spPr>
+        <p:txBody>
+          <a:bodyPr wrap="square">
+            <a:spAutoFit/>
+          </a:bodyPr>
+          <a:lstStyle/>
+          <a:p>
+            <a:pPr marL="0" indent="0">
+              <a:spcBef>
+                <a:spcPts val="2400"/>
+              </a:spcBef>
+              <a:buNone/>
+            </a:pPr>
+            <a:r>
+              <a:rPr lang="en-US" sz="2400" b="1" dirty="0"/>
+              <a:t>Instructions on the tutorial web site: </a:t>
+            </a:r>
+            <a:r>
+              <a:rPr lang="en-US" sz="2400" b="1" dirty="0">
+                <a:hlinkClick r:id="rId3"/>
+              </a:rPr>
+              <a:t>https://bssw-tutorial.github.io/</a:t>
+            </a:r>
+            <a:br>
+              <a:rPr lang="en-US" sz="2400" b="1" dirty="0"/>
+            </a:br>
+            <a:r>
+              <a:rPr lang="en-US" sz="2400" dirty="0"/>
+              <a:t>and click the link for today’s tutorial</a:t>
+            </a:r>
+            <a:endParaRPr lang="en-US" sz="2800" dirty="0"/>
+          </a:p>
+        </p:txBody>
+      </p:sp>
+    </p:spTree>
+    <p:extLst>
+      <p:ext uri="{BB962C8B-B14F-4D97-AF65-F5344CB8AC3E}">
+        <p14:creationId xmlns:p14="http://schemas.microsoft.com/office/powerpoint/2010/main" val="530048556"/>
+      </p:ext>
+    </p:extLst>
+  </p:cSld>
+  <p:clrMapOvr>
+    <a:masterClrMapping/>
+  </p:clrMapOvr>
+</p:sld>
+</file>
+
+<file path=ppt/slides/slide5.xml><?xml version="1.0" encoding="utf-8"?>
+<p:sld xmlns:a="http://schemas.openxmlformats.org/drawingml/2006/main" xmlns:r="http://schemas.openxmlformats.org/officeDocument/2006/relationships" xmlns:p="http://schemas.openxmlformats.org/presentationml/2006/main">
+  <p:cSld>
+    <p:spTree>
+      <p:nvGrpSpPr>
+        <p:cNvPr id="1" name=""/>
+        <p:cNvGrpSpPr/>
+        <p:nvPr/>
+      </p:nvGrpSpPr>
+      <p:grpSpPr>
+        <a:xfrm>
+          <a:off x="0" y="0"/>
+          <a:ext cx="0" cy="0"/>
+          <a:chOff x="0" y="0"/>
+          <a:chExt cx="0" cy="0"/>
+        </a:xfrm>
+      </p:grpSpPr>
+      <p:sp>
+        <p:nvSpPr>
+          <p:cNvPr id="2" name="Title 1">
+            <a:extLst>
+              <a:ext uri="{FF2B5EF4-FFF2-40B4-BE49-F238E27FC236}">
                 <a16:creationId xmlns:a16="http://schemas.microsoft.com/office/drawing/2014/main" id="{88D7CFF0-36AC-4BF3-96D2-C6F302144850}"/>
               </a:ext>
             </a:extLst>
@@ -4989,6 +5204,239 @@
     <p:extLst>
       <p:ext uri="{BB962C8B-B14F-4D97-AF65-F5344CB8AC3E}">
         <p14:creationId xmlns:p14="http://schemas.microsoft.com/office/powerpoint/2010/main" val="3695382487"/>
+      </p:ext>
+    </p:extLst>
+  </p:cSld>
+  <p:clrMapOvr>
+    <a:masterClrMapping/>
+  </p:clrMapOvr>
+</p:sld>
+</file>
+
+<file path=ppt/slides/slide6.xml><?xml version="1.0" encoding="utf-8"?>
+<p:sld xmlns:a="http://schemas.openxmlformats.org/drawingml/2006/main" xmlns:r="http://schemas.openxmlformats.org/officeDocument/2006/relationships" xmlns:p="http://schemas.openxmlformats.org/presentationml/2006/main">
+  <p:cSld>
+    <p:spTree>
+      <p:nvGrpSpPr>
+        <p:cNvPr id="1" name=""/>
+        <p:cNvGrpSpPr/>
+        <p:nvPr/>
+      </p:nvGrpSpPr>
+      <p:grpSpPr>
+        <a:xfrm>
+          <a:off x="0" y="0"/>
+          <a:ext cx="0" cy="0"/>
+          <a:chOff x="0" y="0"/>
+          <a:chExt cx="0" cy="0"/>
+        </a:xfrm>
+      </p:grpSpPr>
+      <p:sp>
+        <p:nvSpPr>
+          <p:cNvPr id="2" name="Title 1">
+            <a:extLst>
+              <a:ext uri="{FF2B5EF4-FFF2-40B4-BE49-F238E27FC236}">
+                <a16:creationId xmlns:a16="http://schemas.microsoft.com/office/drawing/2014/main" id="{88D7CFF0-36AC-4BF3-96D2-C6F302144850}"/>
+              </a:ext>
+            </a:extLst>
+          </p:cNvPr>
+          <p:cNvSpPr>
+            <a:spLocks noGrp="1"/>
+          </p:cNvSpPr>
+          <p:nvPr>
+            <p:ph type="title"/>
+          </p:nvPr>
+        </p:nvSpPr>
+        <p:spPr/>
+        <p:txBody>
+          <a:bodyPr/>
+          <a:lstStyle/>
+          <a:p>
+            <a:r>
+              <a:rPr lang="en-US" dirty="0"/>
+              <a:t>We Want to Interact with You!</a:t>
+            </a:r>
+          </a:p>
+        </p:txBody>
+      </p:sp>
+      <p:sp>
+        <p:nvSpPr>
+          <p:cNvPr id="3" name="Content Placeholder 2">
+            <a:extLst>
+              <a:ext uri="{FF2B5EF4-FFF2-40B4-BE49-F238E27FC236}">
+                <a16:creationId xmlns:a16="http://schemas.microsoft.com/office/drawing/2014/main" id="{AEFD04A9-5547-4AC6-89F3-E6EEC039A00D}"/>
+              </a:ext>
+            </a:extLst>
+          </p:cNvPr>
+          <p:cNvSpPr>
+            <a:spLocks noGrp="1"/>
+          </p:cNvSpPr>
+          <p:nvPr>
+            <p:ph idx="1"/>
+          </p:nvPr>
+        </p:nvSpPr>
+        <p:spPr>
+          <a:xfrm>
+            <a:off x="365760" y="919230"/>
+            <a:ext cx="11369809" cy="4047778"/>
+          </a:xfrm>
+        </p:spPr>
+        <p:txBody>
+          <a:bodyPr/>
+          <a:lstStyle/>
+          <a:p>
+            <a:pPr>
+              <a:spcBef>
+                <a:spcPts val="1800"/>
+              </a:spcBef>
+            </a:pPr>
+            <a:r>
+              <a:rPr lang="en-US" dirty="0"/>
+              <a:t>We find these tutorials most interesting and informative (for everyone) if you ask questions and share experiences!</a:t>
+            </a:r>
+          </a:p>
+          <a:p>
+            <a:pPr lvl="1">
+              <a:spcBef>
+                <a:spcPts val="200"/>
+              </a:spcBef>
+            </a:pPr>
+            <a:r>
+              <a:rPr lang="en-US" dirty="0"/>
+              <a:t>We learn too!</a:t>
+            </a:r>
+          </a:p>
+          <a:p>
+            <a:pPr>
+              <a:spcBef>
+                <a:spcPts val="1200"/>
+              </a:spcBef>
+            </a:pPr>
+            <a:r>
+              <a:rPr lang="en-US" dirty="0"/>
+              <a:t>Please use Zoom chat to ask questions at any time</a:t>
+            </a:r>
+          </a:p>
+          <a:p>
+            <a:pPr>
+              <a:spcBef>
+                <a:spcPts val="1200"/>
+              </a:spcBef>
+            </a:pPr>
+            <a:r>
+              <a:rPr lang="en-US" dirty="0"/>
+              <a:t>We will hang around in Zoom during the break for live Q&amp;A/discussions</a:t>
+            </a:r>
+          </a:p>
+          <a:p>
+            <a:pPr>
+              <a:spcBef>
+                <a:spcPts val="1200"/>
+              </a:spcBef>
+            </a:pPr>
+            <a:r>
+              <a:rPr lang="en-US" dirty="0"/>
+              <a:t>We have an optional session this afternoon specifically for more interaction </a:t>
+            </a:r>
+          </a:p>
+          <a:p>
+            <a:pPr lvl="1">
+              <a:spcBef>
+                <a:spcPts val="200"/>
+              </a:spcBef>
+            </a:pPr>
+            <a:r>
+              <a:rPr lang="en-US" dirty="0"/>
+              <a:t>Can do hands-on activities, Q&amp;A about the presentations, or broader discussion of </a:t>
+            </a:r>
+            <a:r>
+              <a:rPr lang="en-US" dirty="0" err="1"/>
+              <a:t>sw</a:t>
+            </a:r>
+            <a:r>
+              <a:rPr lang="en-US" dirty="0"/>
+              <a:t> dev.</a:t>
+            </a:r>
+          </a:p>
+          <a:p>
+            <a:pPr>
+              <a:spcBef>
+                <a:spcPts val="1200"/>
+              </a:spcBef>
+            </a:pPr>
+            <a:r>
+              <a:rPr lang="en-US" dirty="0"/>
+              <a:t>If you work on the hands-on activities, we’ll be glad to provide feedback</a:t>
+            </a:r>
+          </a:p>
+          <a:p>
+            <a:pPr lvl="1">
+              <a:spcBef>
+                <a:spcPts val="200"/>
+              </a:spcBef>
+            </a:pPr>
+            <a:r>
+              <a:rPr lang="en-US" dirty="0"/>
+              <a:t>Submit a pull request and we’ll take a look</a:t>
+            </a:r>
+          </a:p>
+          <a:p>
+            <a:pPr>
+              <a:spcBef>
+                <a:spcPts val="1200"/>
+              </a:spcBef>
+            </a:pPr>
+            <a:r>
+              <a:rPr lang="en-US" dirty="0"/>
+              <a:t>After the tutorial email us at </a:t>
+            </a:r>
+            <a:r>
+              <a:rPr lang="en-US" dirty="0">
+                <a:hlinkClick r:id="rId2"/>
+              </a:rPr>
+              <a:t>bssw-tutorial@lists.mcs.anl.gov</a:t>
+            </a:r>
+            <a:endParaRPr lang="en-US" dirty="0"/>
+          </a:p>
+          <a:p>
+            <a:pPr lvl="1">
+              <a:spcBef>
+                <a:spcPts val="200"/>
+              </a:spcBef>
+            </a:pPr>
+            <a:r>
+              <a:rPr lang="en-US" dirty="0"/>
+              <a:t>With questions or feedback</a:t>
+            </a:r>
+          </a:p>
+          <a:p>
+            <a:pPr lvl="1"/>
+            <a:r>
+              <a:rPr lang="en-US" dirty="0"/>
+              <a:t>The list moderator will allow your messages to be posted</a:t>
+            </a:r>
+          </a:p>
+          <a:p>
+            <a:r>
+              <a:rPr lang="en-US" dirty="0"/>
+              <a:t>Refer to </a:t>
+            </a:r>
+            <a:r>
+              <a:rPr lang="en-US" dirty="0">
+                <a:hlinkClick r:id="rId3"/>
+              </a:rPr>
+              <a:t>bssw-tutorial.github.io</a:t>
+            </a:r>
+            <a:r>
+              <a:rPr lang="en-US" dirty="0"/>
+              <a:t> page for all tutorial materials</a:t>
+            </a:r>
+          </a:p>
+        </p:txBody>
+      </p:sp>
+    </p:spTree>
+    <p:extLst>
+      <p:ext uri="{BB962C8B-B14F-4D97-AF65-F5344CB8AC3E}">
+        <p14:creationId xmlns:p14="http://schemas.microsoft.com/office/powerpoint/2010/main" val="3398924855"/>
       </p:ext>
     </p:extLst>
   </p:cSld>
@@ -5911,18 +6359,18 @@
 </file>
 
 <file path=customXml/item1.xml><?xml version="1.0" encoding="utf-8"?>
+<p:properties xmlns:p="http://schemas.microsoft.com/office/2006/metadata/properties" xmlns:xsi="http://www.w3.org/2001/XMLSchema-instance" xmlns:pc="http://schemas.microsoft.com/office/infopath/2007/PartnerControls">
+  <documentManagement/>
+</p:properties>
+</file>
+
+<file path=customXml/item2.xml><?xml version="1.0" encoding="utf-8"?>
 <?mso-contentType ?>
 <FormTemplates xmlns="http://schemas.microsoft.com/sharepoint/v3/contenttype/forms">
   <Display>DocumentLibraryForm</Display>
   <Edit>DocumentLibraryForm</Edit>
   <New>DocumentLibraryForm</New>
 </FormTemplates>
-</file>
-
-<file path=customXml/item2.xml><?xml version="1.0" encoding="utf-8"?>
-<p:properties xmlns:p="http://schemas.microsoft.com/office/2006/metadata/properties" xmlns:xsi="http://www.w3.org/2001/XMLSchema-instance" xmlns:pc="http://schemas.microsoft.com/office/infopath/2007/PartnerControls">
-  <documentManagement/>
-</p:properties>
 </file>
 
 <file path=customXml/item3.xml><?xml version="1.0" encoding="utf-8"?>
@@ -5975,14 +6423,6 @@
 </file>
 
 <file path=customXml/itemProps1.xml><?xml version="1.0" encoding="utf-8"?>
-<ds:datastoreItem xmlns:ds="http://schemas.openxmlformats.org/officeDocument/2006/customXml" ds:itemID="{19E20559-B232-4371-8690-E3D8007EDB82}">
-  <ds:schemaRefs>
-    <ds:schemaRef ds:uri="http://schemas.microsoft.com/sharepoint/v3/contenttype/forms"/>
-  </ds:schemaRefs>
-</ds:datastoreItem>
-</file>
-
-<file path=customXml/itemProps2.xml><?xml version="1.0" encoding="utf-8"?>
 <ds:datastoreItem xmlns:ds="http://schemas.openxmlformats.org/officeDocument/2006/customXml" ds:itemID="{A50EC660-24D0-43A0-AE5E-E274115E726B}">
   <ds:schemaRefs>
     <ds:schemaRef ds:uri="http://purl.org/dc/elements/1.1/"/>
@@ -5993,6 +6433,14 @@
     <ds:schemaRef ds:uri="http://www.w3.org/XML/1998/namespace"/>
     <ds:schemaRef ds:uri="http://purl.org/dc/dcmitype/"/>
     <ds:schemaRef ds:uri="http://schemas.microsoft.com/office/infopath/2007/PartnerControls"/>
+  </ds:schemaRefs>
+</ds:datastoreItem>
+</file>
+
+<file path=customXml/itemProps2.xml><?xml version="1.0" encoding="utf-8"?>
+<ds:datastoreItem xmlns:ds="http://schemas.openxmlformats.org/officeDocument/2006/customXml" ds:itemID="{19E20559-B232-4371-8690-E3D8007EDB82}">
+  <ds:schemaRefs>
+    <ds:schemaRef ds:uri="http://schemas.microsoft.com/sharepoint/v3/contenttype/forms"/>
   </ds:schemaRefs>
 </ds:datastoreItem>
 </file>

--- a/intro-extra.pptx
+++ b/intro-extra.pptx
@@ -5,10 +5,10 @@
     <p:sldMasterId id="2147483935" r:id="rId4"/>
   </p:sldMasterIdLst>
   <p:notesMasterIdLst>
-    <p:notesMasterId r:id="rId11"/>
+    <p:notesMasterId r:id="rId12"/>
   </p:notesMasterIdLst>
   <p:handoutMasterIdLst>
-    <p:handoutMasterId r:id="rId12"/>
+    <p:handoutMasterId r:id="rId13"/>
   </p:handoutMasterIdLst>
   <p:sldIdLst>
     <p:sldId id="315" r:id="rId5"/>
@@ -16,7 +16,8 @@
     <p:sldId id="316" r:id="rId7"/>
     <p:sldId id="617" r:id="rId8"/>
     <p:sldId id="616" r:id="rId9"/>
-    <p:sldId id="618" r:id="rId10"/>
+    <p:sldId id="619" r:id="rId10"/>
+    <p:sldId id="620" r:id="rId11"/>
   </p:sldIdLst>
   <p:sldSz cx="12188825" cy="6858000"/>
   <p:notesSz cx="7010400" cy="9296400"/>
@@ -260,7 +261,7 @@
           <a:p>
             <a:fld id="{0B842F42-2CE9-4E35-95C1-410DC08A50B1}" type="datetimeFigureOut">
               <a:rPr lang="en-US" smtClean="0"/>
-              <a:t>4/17/2022</a:t>
+              <a:t>8/2/2023</a:t>
             </a:fld>
             <a:endParaRPr lang="en-US"/>
           </a:p>
@@ -425,7 +426,7 @@
           <a:p>
             <a:fld id="{6F282904-F315-4730-8D91-37D99E141A6F}" type="datetimeFigureOut">
               <a:rPr lang="en-US" smtClean="0"/>
-              <a:t>4/17/2022</a:t>
+              <a:t>8/2/2023</a:t>
             </a:fld>
             <a:endParaRPr lang="en-US"/>
           </a:p>
@@ -5086,12 +5087,12 @@
           <a:p>
             <a:pPr>
               <a:spcBef>
-                <a:spcPts val="1200"/>
+                <a:spcPts val="400"/>
               </a:spcBef>
             </a:pPr>
             <a:r>
               <a:rPr lang="en-US" dirty="0"/>
-              <a:t>Please use Zoom chat to ask questions at any time</a:t>
+              <a:t>Please raise your hand at any time to ask a question</a:t>
             </a:r>
           </a:p>
           <a:p>
@@ -5102,16 +5103,15 @@
             </a:pPr>
             <a:r>
               <a:rPr lang="en-US" dirty="0"/>
-              <a:t>We will hang around in Zoom during breaks and lunch for </a:t>
-            </a:r>
-            <a:r>
-              <a:rPr lang="en-US" u="sng" dirty="0"/>
-              <a:t>live</a:t>
-            </a:r>
-            <a:r>
-              <a:rPr lang="en-US" dirty="0"/>
-              <a:t> Q&amp;A/discussions with anyone interested</a:t>
-            </a:r>
+              <a:t>After the tutorial email us at </a:t>
+            </a:r>
+            <a:r>
+              <a:rPr lang="en-US" dirty="0">
+                <a:hlinkClick r:id="rId2"/>
+              </a:rPr>
+              <a:t>bssw-tutorial@lists.mcs.anl.gov</a:t>
+            </a:r>
+            <a:endParaRPr lang="en-US" dirty="0"/>
           </a:p>
           <a:p>
             <a:pPr lvl="1">
@@ -5121,57 +5121,6 @@
             </a:pPr>
             <a:r>
               <a:rPr lang="en-US" dirty="0"/>
-              <a:t>Also during the hands-on session</a:t>
-            </a:r>
-          </a:p>
-          <a:p>
-            <a:pPr>
-              <a:spcBef>
-                <a:spcPts val="1200"/>
-              </a:spcBef>
-            </a:pPr>
-            <a:r>
-              <a:rPr lang="en-US" dirty="0"/>
-              <a:t>If you work on the hands-on activities, we’ll be glad to provide feedback</a:t>
-            </a:r>
-          </a:p>
-          <a:p>
-            <a:pPr lvl="1">
-              <a:spcBef>
-                <a:spcPts val="400"/>
-              </a:spcBef>
-            </a:pPr>
-            <a:r>
-              <a:rPr lang="en-US" dirty="0"/>
-              <a:t>Submit a pull request and we’ll take a look</a:t>
-            </a:r>
-          </a:p>
-          <a:p>
-            <a:pPr>
-              <a:spcBef>
-                <a:spcPts val="1200"/>
-              </a:spcBef>
-            </a:pPr>
-            <a:r>
-              <a:rPr lang="en-US" dirty="0"/>
-              <a:t>After the tutorial email us at </a:t>
-            </a:r>
-            <a:r>
-              <a:rPr lang="en-US" dirty="0">
-                <a:hlinkClick r:id="rId2"/>
-              </a:rPr>
-              <a:t>bssw-tutorial@lists.mcs.anl.gov</a:t>
-            </a:r>
-            <a:endParaRPr lang="en-US" dirty="0"/>
-          </a:p>
-          <a:p>
-            <a:pPr lvl="1">
-              <a:spcBef>
-                <a:spcPts val="400"/>
-              </a:spcBef>
-            </a:pPr>
-            <a:r>
-              <a:rPr lang="en-US" dirty="0"/>
               <a:t>With questions or feedback</a:t>
             </a:r>
           </a:p>
@@ -5196,6 +5145,50 @@
             <a:r>
               <a:rPr lang="en-US" dirty="0"/>
               <a:t> page for all tutorial materials</a:t>
+            </a:r>
+          </a:p>
+        </p:txBody>
+      </p:sp>
+      <p:sp>
+        <p:nvSpPr>
+          <p:cNvPr id="4" name="TextBox 3">
+            <a:extLst>
+              <a:ext uri="{FF2B5EF4-FFF2-40B4-BE49-F238E27FC236}">
+                <a16:creationId xmlns:a16="http://schemas.microsoft.com/office/drawing/2014/main" id="{78B1391E-4220-328B-0AE8-9C61BC554A0A}"/>
+              </a:ext>
+            </a:extLst>
+          </p:cNvPr>
+          <p:cNvSpPr txBox="1"/>
+          <p:nvPr/>
+        </p:nvSpPr>
+        <p:spPr>
+          <a:xfrm rot="-2700000">
+            <a:off x="1893044" y="3069702"/>
+            <a:ext cx="7939289" cy="1015663"/>
+          </a:xfrm>
+          <a:prstGeom prst="rect">
+            <a:avLst/>
+          </a:prstGeom>
+          <a:noFill/>
+        </p:spPr>
+        <p:txBody>
+          <a:bodyPr wrap="none" lIns="118872" tIns="91440" rIns="118872" bIns="91440" rtlCol="0" anchor="ctr" anchorCtr="0">
+            <a:spAutoFit/>
+          </a:bodyPr>
+          <a:lstStyle/>
+          <a:p>
+            <a:pPr algn="l">
+              <a:lnSpc>
+                <a:spcPct val="90000"/>
+              </a:lnSpc>
+            </a:pPr>
+            <a:r>
+              <a:rPr lang="en-US" sz="6000" dirty="0">
+                <a:solidFill>
+                  <a:srgbClr val="FF0000"/>
+                </a:solidFill>
+              </a:rPr>
+              <a:t>In-person presentation</a:t>
             </a:r>
           </a:p>
         </p:txBody>
@@ -5297,7 +5290,7 @@
           <a:p>
             <a:pPr lvl="1">
               <a:spcBef>
-                <a:spcPts val="200"/>
+                <a:spcPts val="400"/>
               </a:spcBef>
             </a:pPr>
             <a:r>
@@ -5313,7 +5306,7 @@
             </a:pPr>
             <a:r>
               <a:rPr lang="en-US" dirty="0"/>
-              <a:t>Please use Zoom chat to ask questions at any time</a:t>
+              <a:t>If you’re in the room with us, please raise your hand to ask a question</a:t>
             </a:r>
           </a:p>
           <a:p>
@@ -5324,7 +5317,34 @@
             </a:pPr>
             <a:r>
               <a:rPr lang="en-US" dirty="0"/>
-              <a:t>We will hang around in Zoom during the break for live Q&amp;A/discussions</a:t>
+              <a:t>If you’re online, please use the </a:t>
+            </a:r>
+            <a:r>
+              <a:rPr lang="en-US" b="1" dirty="0"/>
+              <a:t>raise hand</a:t>
+            </a:r>
+            <a:r>
+              <a:rPr lang="en-US" dirty="0"/>
+              <a:t> feature to ask a question or put it into the </a:t>
+            </a:r>
+            <a:r>
+              <a:rPr lang="en-US" b="1" dirty="0"/>
+              <a:t>chat</a:t>
+            </a:r>
+            <a:r>
+              <a:rPr lang="en-US" dirty="0"/>
+              <a:t> if you prefer</a:t>
+            </a:r>
+          </a:p>
+          <a:p>
+            <a:pPr lvl="1">
+              <a:spcBef>
+                <a:spcPts val="400"/>
+              </a:spcBef>
+            </a:pPr>
+            <a:r>
+              <a:rPr lang="en-US" dirty="0"/>
+              <a:t>We’ll respond verbally or in chat as opportunities permit</a:t>
             </a:r>
           </a:p>
           <a:p>
@@ -5335,26 +5355,199 @@
             </a:pPr>
             <a:r>
               <a:rPr lang="en-US" dirty="0"/>
-              <a:t>We have an optional session this afternoon specifically for more interaction </a:t>
-            </a:r>
+              <a:t>After the tutorial email us at </a:t>
+            </a:r>
+            <a:r>
+              <a:rPr lang="en-US" dirty="0">
+                <a:hlinkClick r:id="rId2"/>
+              </a:rPr>
+              <a:t>bssw-tutorial@lists.mcs.anl.gov</a:t>
+            </a:r>
+            <a:endParaRPr lang="en-US" dirty="0"/>
           </a:p>
           <a:p>
             <a:pPr lvl="1">
               <a:spcBef>
-                <a:spcPts val="200"/>
+                <a:spcPts val="400"/>
               </a:spcBef>
             </a:pPr>
             <a:r>
               <a:rPr lang="en-US" dirty="0"/>
-              <a:t>Can do hands-on activities, Q&amp;A about the presentations, or broader discussion of </a:t>
-            </a:r>
-            <a:r>
-              <a:rPr lang="en-US" dirty="0" err="1"/>
-              <a:t>sw</a:t>
-            </a:r>
+              <a:t>With questions or feedback</a:t>
+            </a:r>
+          </a:p>
+          <a:p>
+            <a:pPr lvl="1"/>
             <a:r>
               <a:rPr lang="en-US" dirty="0"/>
-              <a:t> dev.</a:t>
+              <a:t>The list moderator will allow your messages to be posted</a:t>
+            </a:r>
+          </a:p>
+          <a:p>
+            <a:r>
+              <a:rPr lang="en-US" dirty="0"/>
+              <a:t>Refer to </a:t>
+            </a:r>
+            <a:r>
+              <a:rPr lang="en-US" dirty="0">
+                <a:hlinkClick r:id="rId3"/>
+              </a:rPr>
+              <a:t>bssw-tutorial.github.io</a:t>
+            </a:r>
+            <a:r>
+              <a:rPr lang="en-US" dirty="0"/>
+              <a:t> page for all tutorial materials</a:t>
+            </a:r>
+          </a:p>
+        </p:txBody>
+      </p:sp>
+      <p:sp>
+        <p:nvSpPr>
+          <p:cNvPr id="4" name="TextBox 3">
+            <a:extLst>
+              <a:ext uri="{FF2B5EF4-FFF2-40B4-BE49-F238E27FC236}">
+                <a16:creationId xmlns:a16="http://schemas.microsoft.com/office/drawing/2014/main" id="{A0AB0D47-A7E0-B1E3-CB82-4F3DDE8C001A}"/>
+              </a:ext>
+            </a:extLst>
+          </p:cNvPr>
+          <p:cNvSpPr txBox="1"/>
+          <p:nvPr/>
+        </p:nvSpPr>
+        <p:spPr>
+          <a:xfrm rot="-2700000">
+            <a:off x="2406005" y="3069702"/>
+            <a:ext cx="6913367" cy="1015663"/>
+          </a:xfrm>
+          <a:prstGeom prst="rect">
+            <a:avLst/>
+          </a:prstGeom>
+          <a:noFill/>
+        </p:spPr>
+        <p:txBody>
+          <a:bodyPr wrap="none" lIns="118872" tIns="91440" rIns="118872" bIns="91440" rtlCol="0" anchor="ctr" anchorCtr="0">
+            <a:spAutoFit/>
+          </a:bodyPr>
+          <a:lstStyle/>
+          <a:p>
+            <a:pPr algn="l">
+              <a:lnSpc>
+                <a:spcPct val="90000"/>
+              </a:lnSpc>
+            </a:pPr>
+            <a:r>
+              <a:rPr lang="en-US" sz="6000" dirty="0">
+                <a:solidFill>
+                  <a:srgbClr val="FF0000"/>
+                </a:solidFill>
+              </a:rPr>
+              <a:t>Hybrid presentation</a:t>
+            </a:r>
+          </a:p>
+        </p:txBody>
+      </p:sp>
+    </p:spTree>
+    <p:extLst>
+      <p:ext uri="{BB962C8B-B14F-4D97-AF65-F5344CB8AC3E}">
+        <p14:creationId xmlns:p14="http://schemas.microsoft.com/office/powerpoint/2010/main" val="583858943"/>
+      </p:ext>
+    </p:extLst>
+  </p:cSld>
+  <p:clrMapOvr>
+    <a:masterClrMapping/>
+  </p:clrMapOvr>
+</p:sld>
+</file>
+
+<file path=ppt/slides/slide7.xml><?xml version="1.0" encoding="utf-8"?>
+<p:sld xmlns:a="http://schemas.openxmlformats.org/drawingml/2006/main" xmlns:r="http://schemas.openxmlformats.org/officeDocument/2006/relationships" xmlns:p="http://schemas.openxmlformats.org/presentationml/2006/main">
+  <p:cSld>
+    <p:spTree>
+      <p:nvGrpSpPr>
+        <p:cNvPr id="1" name=""/>
+        <p:cNvGrpSpPr/>
+        <p:nvPr/>
+      </p:nvGrpSpPr>
+      <p:grpSpPr>
+        <a:xfrm>
+          <a:off x="0" y="0"/>
+          <a:ext cx="0" cy="0"/>
+          <a:chOff x="0" y="0"/>
+          <a:chExt cx="0" cy="0"/>
+        </a:xfrm>
+      </p:grpSpPr>
+      <p:sp>
+        <p:nvSpPr>
+          <p:cNvPr id="2" name="Title 1">
+            <a:extLst>
+              <a:ext uri="{FF2B5EF4-FFF2-40B4-BE49-F238E27FC236}">
+                <a16:creationId xmlns:a16="http://schemas.microsoft.com/office/drawing/2014/main" id="{88D7CFF0-36AC-4BF3-96D2-C6F302144850}"/>
+              </a:ext>
+            </a:extLst>
+          </p:cNvPr>
+          <p:cNvSpPr>
+            <a:spLocks noGrp="1"/>
+          </p:cNvSpPr>
+          <p:nvPr>
+            <p:ph type="title"/>
+          </p:nvPr>
+        </p:nvSpPr>
+        <p:spPr/>
+        <p:txBody>
+          <a:bodyPr/>
+          <a:lstStyle/>
+          <a:p>
+            <a:r>
+              <a:rPr lang="en-US" dirty="0"/>
+              <a:t>We Want to Interact with You!</a:t>
+            </a:r>
+          </a:p>
+        </p:txBody>
+      </p:sp>
+      <p:sp>
+        <p:nvSpPr>
+          <p:cNvPr id="3" name="Content Placeholder 2">
+            <a:extLst>
+              <a:ext uri="{FF2B5EF4-FFF2-40B4-BE49-F238E27FC236}">
+                <a16:creationId xmlns:a16="http://schemas.microsoft.com/office/drawing/2014/main" id="{AEFD04A9-5547-4AC6-89F3-E6EEC039A00D}"/>
+              </a:ext>
+            </a:extLst>
+          </p:cNvPr>
+          <p:cNvSpPr>
+            <a:spLocks noGrp="1"/>
+          </p:cNvSpPr>
+          <p:nvPr>
+            <p:ph idx="1"/>
+          </p:nvPr>
+        </p:nvSpPr>
+        <p:spPr>
+          <a:xfrm>
+            <a:off x="365760" y="919230"/>
+            <a:ext cx="11369809" cy="4047778"/>
+          </a:xfrm>
+        </p:spPr>
+        <p:txBody>
+          <a:bodyPr/>
+          <a:lstStyle/>
+          <a:p>
+            <a:pPr>
+              <a:spcBef>
+                <a:spcPts val="1800"/>
+              </a:spcBef>
+            </a:pPr>
+            <a:r>
+              <a:rPr lang="en-US" dirty="0"/>
+              <a:t>We find these tutorials most interesting and informative (for everyone) if you ask questions and share experiences!</a:t>
+            </a:r>
+          </a:p>
+          <a:p>
+            <a:pPr lvl="1">
+              <a:spcBef>
+                <a:spcPts val="400"/>
+              </a:spcBef>
+            </a:pPr>
+            <a:r>
+              <a:rPr lang="en-US" dirty="0"/>
+              <a:t>We learn too!</a:t>
             </a:r>
           </a:p>
           <a:p>
@@ -5365,18 +5558,34 @@
             </a:pPr>
             <a:r>
               <a:rPr lang="en-US" dirty="0"/>
-              <a:t>If you work on the hands-on activities, we’ll be glad to provide feedback</a:t>
+              <a:t>Please use the </a:t>
+            </a:r>
+            <a:r>
+              <a:rPr lang="en-US" b="1" dirty="0"/>
+              <a:t>raise hand</a:t>
+            </a:r>
+            <a:r>
+              <a:rPr lang="en-US" dirty="0"/>
+              <a:t> feature to ask a question or put it into the </a:t>
+            </a:r>
+            <a:r>
+              <a:rPr lang="en-US" b="1" dirty="0"/>
+              <a:t>chat</a:t>
+            </a:r>
+            <a:r>
+              <a:rPr lang="en-US" dirty="0"/>
+              <a:t> if you prefer</a:t>
             </a:r>
           </a:p>
           <a:p>
             <a:pPr lvl="1">
               <a:spcBef>
-                <a:spcPts val="200"/>
+                <a:spcPts val="400"/>
               </a:spcBef>
             </a:pPr>
             <a:r>
               <a:rPr lang="en-US" dirty="0"/>
-              <a:t>Submit a pull request and we’ll take a look</a:t>
+              <a:t>We’ll respond verbally or in chat as opportunities permit</a:t>
             </a:r>
           </a:p>
           <a:p>
@@ -5400,7 +5609,7 @@
           <a:p>
             <a:pPr lvl="1">
               <a:spcBef>
-                <a:spcPts val="200"/>
+                <a:spcPts val="400"/>
               </a:spcBef>
             </a:pPr>
             <a:r>
@@ -5429,6 +5638,58 @@
             <a:r>
               <a:rPr lang="en-US" dirty="0"/>
               <a:t> page for all tutorial materials</a:t>
+            </a:r>
+          </a:p>
+        </p:txBody>
+      </p:sp>
+      <p:sp>
+        <p:nvSpPr>
+          <p:cNvPr id="4" name="TextBox 3">
+            <a:extLst>
+              <a:ext uri="{FF2B5EF4-FFF2-40B4-BE49-F238E27FC236}">
+                <a16:creationId xmlns:a16="http://schemas.microsoft.com/office/drawing/2014/main" id="{AFDD6E83-8F3F-C390-EDB0-E7B8C5124676}"/>
+              </a:ext>
+            </a:extLst>
+          </p:cNvPr>
+          <p:cNvSpPr txBox="1"/>
+          <p:nvPr/>
+        </p:nvSpPr>
+        <p:spPr>
+          <a:xfrm rot="-2700000">
+            <a:off x="2406006" y="3069702"/>
+            <a:ext cx="6913367" cy="1015663"/>
+          </a:xfrm>
+          <a:prstGeom prst="rect">
+            <a:avLst/>
+          </a:prstGeom>
+          <a:noFill/>
+        </p:spPr>
+        <p:txBody>
+          <a:bodyPr wrap="none" lIns="118872" tIns="91440" rIns="118872" bIns="91440" rtlCol="0" anchor="ctr" anchorCtr="0">
+            <a:spAutoFit/>
+          </a:bodyPr>
+          <a:lstStyle/>
+          <a:p>
+            <a:pPr algn="l">
+              <a:lnSpc>
+                <a:spcPct val="90000"/>
+              </a:lnSpc>
+            </a:pPr>
+            <a:r>
+              <a:rPr lang="en-US" sz="6000">
+                <a:solidFill>
+                  <a:srgbClr val="FF0000"/>
+                </a:solidFill>
+              </a:rPr>
+              <a:t>Online </a:t>
+            </a:r>
+            <a:r>
+              <a:rPr lang="en-US" sz="6000" dirty="0">
+                <a:solidFill>
+                  <a:srgbClr val="FF0000"/>
+                </a:solidFill>
+              </a:rPr>
+              <a:t>presentation</a:t>
             </a:r>
           </a:p>
         </p:txBody>
@@ -5436,7 +5697,7 @@
     </p:spTree>
     <p:extLst>
       <p:ext uri="{BB962C8B-B14F-4D97-AF65-F5344CB8AC3E}">
-        <p14:creationId xmlns:p14="http://schemas.microsoft.com/office/powerpoint/2010/main" val="3398924855"/>
+        <p14:creationId xmlns:p14="http://schemas.microsoft.com/office/powerpoint/2010/main" val="3231888468"/>
       </p:ext>
     </p:extLst>
   </p:cSld>
@@ -6359,21 +6620,6 @@
 </file>
 
 <file path=customXml/item1.xml><?xml version="1.0" encoding="utf-8"?>
-<p:properties xmlns:p="http://schemas.microsoft.com/office/2006/metadata/properties" xmlns:xsi="http://www.w3.org/2001/XMLSchema-instance" xmlns:pc="http://schemas.microsoft.com/office/infopath/2007/PartnerControls">
-  <documentManagement/>
-</p:properties>
-</file>
-
-<file path=customXml/item2.xml><?xml version="1.0" encoding="utf-8"?>
-<?mso-contentType ?>
-<FormTemplates xmlns="http://schemas.microsoft.com/sharepoint/v3/contenttype/forms">
-  <Display>DocumentLibraryForm</Display>
-  <Edit>DocumentLibraryForm</Edit>
-  <New>DocumentLibraryForm</New>
-</FormTemplates>
-</file>
-
-<file path=customXml/item3.xml><?xml version="1.0" encoding="utf-8"?>
 <ct:contentTypeSchema xmlns:ct="http://schemas.microsoft.com/office/2006/metadata/contentType" xmlns:ma="http://schemas.microsoft.com/office/2006/metadata/properties/metaAttributes" ct:_="" ma:_="" ma:contentTypeName="Document" ma:contentTypeID="0x010100565464437F680748A68B85EB6594EA7D" ma:contentTypeVersion="0" ma:contentTypeDescription="Create a new document." ma:contentTypeScope="" ma:versionID="fe3f4dd58d5914c51cfc6deaa8ad845c">
   <xsd:schema xmlns:xsd="http://www.w3.org/2001/XMLSchema" xmlns:p="http://schemas.microsoft.com/office/2006/metadata/properties" targetNamespace="http://schemas.microsoft.com/office/2006/metadata/properties" ma:root="true" ma:fieldsID="4aeb20c0e3442673af7ee10786458764">
     <xsd:element name="properties">
@@ -6422,17 +6668,32 @@
 </ct:contentTypeSchema>
 </file>
 
+<file path=customXml/item2.xml><?xml version="1.0" encoding="utf-8"?>
+<?mso-contentType ?>
+<FormTemplates xmlns="http://schemas.microsoft.com/sharepoint/v3/contenttype/forms">
+  <Display>DocumentLibraryForm</Display>
+  <Edit>DocumentLibraryForm</Edit>
+  <New>DocumentLibraryForm</New>
+</FormTemplates>
+</file>
+
+<file path=customXml/item3.xml><?xml version="1.0" encoding="utf-8"?>
+<p:properties xmlns:p="http://schemas.microsoft.com/office/2006/metadata/properties" xmlns:xsi="http://www.w3.org/2001/XMLSchema-instance" xmlns:pc="http://schemas.microsoft.com/office/infopath/2007/PartnerControls">
+  <documentManagement/>
+</p:properties>
+</file>
+
 <file path=customXml/itemProps1.xml><?xml version="1.0" encoding="utf-8"?>
-<ds:datastoreItem xmlns:ds="http://schemas.openxmlformats.org/officeDocument/2006/customXml" ds:itemID="{A50EC660-24D0-43A0-AE5E-E274115E726B}">
+<ds:datastoreItem xmlns:ds="http://schemas.openxmlformats.org/officeDocument/2006/customXml" ds:itemID="{E8DB7DEB-074E-4EE8-9B6E-FD277323109C}">
   <ds:schemaRefs>
+    <ds:schemaRef ds:uri="http://schemas.microsoft.com/office/2006/metadata/contentType"/>
+    <ds:schemaRef ds:uri="http://schemas.microsoft.com/office/2006/metadata/properties/metaAttributes"/>
+    <ds:schemaRef ds:uri="http://www.w3.org/2001/XMLSchema"/>
+    <ds:schemaRef ds:uri="http://schemas.microsoft.com/office/2006/metadata/properties"/>
+    <ds:schemaRef ds:uri="http://schemas.openxmlformats.org/package/2006/metadata/core-properties"/>
     <ds:schemaRef ds:uri="http://purl.org/dc/elements/1.1/"/>
-    <ds:schemaRef ds:uri="http://schemas.microsoft.com/office/2006/metadata/properties"/>
     <ds:schemaRef ds:uri="http://purl.org/dc/terms/"/>
-    <ds:schemaRef ds:uri="http://schemas.openxmlformats.org/package/2006/metadata/core-properties"/>
-    <ds:schemaRef ds:uri="http://schemas.microsoft.com/office/2006/documentManagement/types"/>
-    <ds:schemaRef ds:uri="http://www.w3.org/XML/1998/namespace"/>
-    <ds:schemaRef ds:uri="http://purl.org/dc/dcmitype/"/>
-    <ds:schemaRef ds:uri="http://schemas.microsoft.com/office/infopath/2007/PartnerControls"/>
+    <ds:schemaRef ds:uri="http://schemas.microsoft.com/office/internal/2005/internalDocumentation"/>
   </ds:schemaRefs>
 </ds:datastoreItem>
 </file>
@@ -6446,16 +6707,16 @@
 </file>
 
 <file path=customXml/itemProps3.xml><?xml version="1.0" encoding="utf-8"?>
-<ds:datastoreItem xmlns:ds="http://schemas.openxmlformats.org/officeDocument/2006/customXml" ds:itemID="{E8DB7DEB-074E-4EE8-9B6E-FD277323109C}">
+<ds:datastoreItem xmlns:ds="http://schemas.openxmlformats.org/officeDocument/2006/customXml" ds:itemID="{A50EC660-24D0-43A0-AE5E-E274115E726B}">
   <ds:schemaRefs>
-    <ds:schemaRef ds:uri="http://schemas.microsoft.com/office/2006/metadata/contentType"/>
-    <ds:schemaRef ds:uri="http://schemas.microsoft.com/office/2006/metadata/properties/metaAttributes"/>
-    <ds:schemaRef ds:uri="http://www.w3.org/2001/XMLSchema"/>
+    <ds:schemaRef ds:uri="http://purl.org/dc/elements/1.1/"/>
     <ds:schemaRef ds:uri="http://schemas.microsoft.com/office/2006/metadata/properties"/>
+    <ds:schemaRef ds:uri="http://purl.org/dc/terms/"/>
     <ds:schemaRef ds:uri="http://schemas.openxmlformats.org/package/2006/metadata/core-properties"/>
-    <ds:schemaRef ds:uri="http://purl.org/dc/elements/1.1/"/>
-    <ds:schemaRef ds:uri="http://purl.org/dc/terms/"/>
-    <ds:schemaRef ds:uri="http://schemas.microsoft.com/office/internal/2005/internalDocumentation"/>
+    <ds:schemaRef ds:uri="http://schemas.microsoft.com/office/2006/documentManagement/types"/>
+    <ds:schemaRef ds:uri="http://www.w3.org/XML/1998/namespace"/>
+    <ds:schemaRef ds:uri="http://purl.org/dc/dcmitype/"/>
+    <ds:schemaRef ds:uri="http://schemas.microsoft.com/office/infopath/2007/PartnerControls"/>
   </ds:schemaRefs>
 </ds:datastoreItem>
 </file>